--- a/Presentation/Présentation.pptx
+++ b/Presentation/Présentation.pptx
@@ -17,10 +17,10 @@
     <p:sldId id="262" r:id="rId8"/>
     <p:sldId id="263" r:id="rId9"/>
     <p:sldId id="264" r:id="rId10"/>
-    <p:sldId id="265" r:id="rId11"/>
-    <p:sldId id="266" r:id="rId12"/>
-    <p:sldId id="267" r:id="rId13"/>
-    <p:sldId id="268" r:id="rId14"/>
+    <p:sldId id="266" r:id="rId11"/>
+    <p:sldId id="267" r:id="rId12"/>
+    <p:sldId id="268" r:id="rId13"/>
+    <p:sldId id="270" r:id="rId14"/>
     <p:sldId id="269" r:id="rId15"/>
   </p:sldIdLst>
   <p:sldSz cx="9144000" cy="6858000" type="screen4x3"/>
@@ -4508,10 +4508,14 @@
           <a:lstStyle/>
           <a:p>
             <a:r>
-              <a:rPr lang="fr-FR" smtClean="0"/>
-              <a:t>Polytech Tours DI5 2012-2013</a:t>
-            </a:r>
-            <a:endParaRPr lang="en-US"/>
+              <a:rPr lang="fr-FR" dirty="0" err="1" smtClean="0"/>
+              <a:t>Polytech</a:t>
+            </a:r>
+            <a:r>
+              <a:rPr lang="fr-FR" dirty="0" smtClean="0"/>
+              <a:t> Tours DI5 2012-2013</a:t>
+            </a:r>
+            <a:endParaRPr lang="en-US" dirty="0"/>
           </a:p>
         </p:txBody>
       </p:sp>
@@ -4569,7 +4573,7 @@
           <a:p>
             <a:r>
               <a:rPr lang="fr-FR" dirty="0" smtClean="0"/>
-              <a:t>Picking</a:t>
+              <a:t>Particules</a:t>
             </a:r>
             <a:endParaRPr lang="fr-FR" dirty="0"/>
           </a:p>
@@ -4617,139 +4621,6 @@
               <a:rPr lang="en-US" smtClean="0"/>
               <a:pPr/>
               <a:t>10</a:t>
-            </a:fld>
-            <a:endParaRPr lang="en-US"/>
-          </a:p>
-        </p:txBody>
-      </p:sp>
-      <p:sp>
-        <p:nvSpPr>
-          <p:cNvPr id="5" name="Content Placeholder 4"/>
-          <p:cNvSpPr>
-            <a:spLocks noGrp="1"/>
-          </p:cNvSpPr>
-          <p:nvPr>
-            <p:ph sz="quarter" idx="1"/>
-          </p:nvPr>
-        </p:nvSpPr>
-        <p:spPr/>
-        <p:txBody>
-          <a:bodyPr/>
-          <a:lstStyle/>
-          <a:p>
-            <a:endParaRPr lang="fr-FR" dirty="0" smtClean="0"/>
-          </a:p>
-          <a:p>
-            <a:r>
-              <a:rPr lang="fr-FR" dirty="0" smtClean="0"/>
-              <a:t>Utilisation du lancer de rayon</a:t>
-            </a:r>
-            <a:endParaRPr lang="fr-FR" dirty="0"/>
-          </a:p>
-        </p:txBody>
-      </p:sp>
-    </p:spTree>
-    <p:extLst>
-      <p:ext uri="{BB962C8B-B14F-4D97-AF65-F5344CB8AC3E}">
-        <p14:creationId xmlns:p14="http://schemas.microsoft.com/office/powerpoint/2010/main" val="3605697107"/>
-      </p:ext>
-    </p:extLst>
-  </p:cSld>
-  <p:clrMapOvr>
-    <a:masterClrMapping/>
-  </p:clrMapOvr>
-  <p:timing>
-    <p:tnLst>
-      <p:par>
-        <p:cTn id="1" dur="indefinite" restart="never" nodeType="tmRoot"/>
-      </p:par>
-    </p:tnLst>
-  </p:timing>
-</p:sld>
-</file>
-
-<file path=ppt/slides/slide11.xml><?xml version="1.0" encoding="utf-8"?>
-<p:sld xmlns:a="http://schemas.openxmlformats.org/drawingml/2006/main" xmlns:r="http://schemas.openxmlformats.org/officeDocument/2006/relationships" xmlns:p="http://schemas.openxmlformats.org/presentationml/2006/main">
-  <p:cSld>
-    <p:spTree>
-      <p:nvGrpSpPr>
-        <p:cNvPr id="1" name=""/>
-        <p:cNvGrpSpPr/>
-        <p:nvPr/>
-      </p:nvGrpSpPr>
-      <p:grpSpPr>
-        <a:xfrm>
-          <a:off x="0" y="0"/>
-          <a:ext cx="0" cy="0"/>
-          <a:chOff x="0" y="0"/>
-          <a:chExt cx="0" cy="0"/>
-        </a:xfrm>
-      </p:grpSpPr>
-      <p:sp>
-        <p:nvSpPr>
-          <p:cNvPr id="2" name="Title 1"/>
-          <p:cNvSpPr>
-            <a:spLocks noGrp="1"/>
-          </p:cNvSpPr>
-          <p:nvPr>
-            <p:ph type="title"/>
-          </p:nvPr>
-        </p:nvSpPr>
-        <p:spPr/>
-        <p:txBody>
-          <a:bodyPr/>
-          <a:lstStyle/>
-          <a:p>
-            <a:r>
-              <a:rPr lang="fr-FR" dirty="0" smtClean="0"/>
-              <a:t>Particules</a:t>
-            </a:r>
-            <a:endParaRPr lang="fr-FR" dirty="0"/>
-          </a:p>
-        </p:txBody>
-      </p:sp>
-      <p:sp>
-        <p:nvSpPr>
-          <p:cNvPr id="3" name="Footer Placeholder 2"/>
-          <p:cNvSpPr>
-            <a:spLocks noGrp="1"/>
-          </p:cNvSpPr>
-          <p:nvPr>
-            <p:ph type="ftr" sz="quarter" idx="11"/>
-          </p:nvPr>
-        </p:nvSpPr>
-        <p:spPr/>
-        <p:txBody>
-          <a:bodyPr/>
-          <a:lstStyle/>
-          <a:p>
-            <a:r>
-              <a:rPr lang="fr-FR" smtClean="0"/>
-              <a:t>Projet collectif de réalité virtuelle</a:t>
-            </a:r>
-            <a:endParaRPr lang="en-US"/>
-          </a:p>
-        </p:txBody>
-      </p:sp>
-      <p:sp>
-        <p:nvSpPr>
-          <p:cNvPr id="4" name="Slide Number Placeholder 3"/>
-          <p:cNvSpPr>
-            <a:spLocks noGrp="1"/>
-          </p:cNvSpPr>
-          <p:nvPr>
-            <p:ph type="sldNum" sz="quarter" idx="12"/>
-          </p:nvPr>
-        </p:nvSpPr>
-        <p:spPr/>
-        <p:txBody>
-          <a:bodyPr/>
-          <a:lstStyle/>
-          <a:p>
-            <a:fld id="{B6F15528-21DE-4FAA-801E-634DDDAF4B2B}" type="slidenum">
-              <a:rPr lang="en-US" smtClean="0"/>
-              <a:pPr/>
-              <a:t>11</a:t>
             </a:fld>
             <a:endParaRPr lang="en-US"/>
           </a:p>
@@ -4879,7 +4750,7 @@
 </p:sld>
 </file>
 
-<file path=ppt/slides/slide12.xml><?xml version="1.0" encoding="utf-8"?>
+<file path=ppt/slides/slide11.xml><?xml version="1.0" encoding="utf-8"?>
 <p:sld xmlns:a="http://schemas.openxmlformats.org/drawingml/2006/main" xmlns:r="http://schemas.openxmlformats.org/officeDocument/2006/relationships" xmlns:p="http://schemas.openxmlformats.org/presentationml/2006/main">
   <p:cSld>
     <p:spTree>
@@ -4960,7 +4831,7 @@
             <a:fld id="{B6F15528-21DE-4FAA-801E-634DDDAF4B2B}" type="slidenum">
               <a:rPr lang="en-US" smtClean="0"/>
               <a:pPr/>
-              <a:t>12</a:t>
+              <a:t>11</a:t>
             </a:fld>
             <a:endParaRPr lang="en-US"/>
           </a:p>
@@ -5005,7 +4876,7 @@
 </p:sld>
 </file>
 
-<file path=ppt/slides/slide13.xml><?xml version="1.0" encoding="utf-8"?>
+<file path=ppt/slides/slide12.xml><?xml version="1.0" encoding="utf-8"?>
 <p:sld xmlns:a="http://schemas.openxmlformats.org/drawingml/2006/main" xmlns:r="http://schemas.openxmlformats.org/officeDocument/2006/relationships" xmlns:p="http://schemas.openxmlformats.org/presentationml/2006/main">
   <p:cSld>
     <p:spTree>
@@ -5086,7 +4957,7 @@
             <a:fld id="{B6F15528-21DE-4FAA-801E-634DDDAF4B2B}" type="slidenum">
               <a:rPr lang="en-US" smtClean="0"/>
               <a:pPr/>
-              <a:t>13</a:t>
+              <a:t>12</a:t>
             </a:fld>
             <a:endParaRPr lang="en-US"/>
           </a:p>
@@ -5183,6 +5054,134 @@
     <p:extLst>
       <p:ext uri="{BB962C8B-B14F-4D97-AF65-F5344CB8AC3E}">
         <p14:creationId xmlns:p14="http://schemas.microsoft.com/office/powerpoint/2010/main" val="1934782084"/>
+      </p:ext>
+    </p:extLst>
+  </p:cSld>
+  <p:clrMapOvr>
+    <a:masterClrMapping/>
+  </p:clrMapOvr>
+  <p:timing>
+    <p:tnLst>
+      <p:par>
+        <p:cTn id="1" dur="indefinite" restart="never" nodeType="tmRoot"/>
+      </p:par>
+    </p:tnLst>
+  </p:timing>
+</p:sld>
+</file>
+
+<file path=ppt/slides/slide13.xml><?xml version="1.0" encoding="utf-8"?>
+<p:sld xmlns:a="http://schemas.openxmlformats.org/drawingml/2006/main" xmlns:r="http://schemas.openxmlformats.org/officeDocument/2006/relationships" xmlns:p="http://schemas.openxmlformats.org/presentationml/2006/main">
+  <p:cSld>
+    <p:spTree>
+      <p:nvGrpSpPr>
+        <p:cNvPr id="1" name=""/>
+        <p:cNvGrpSpPr/>
+        <p:nvPr/>
+      </p:nvGrpSpPr>
+      <p:grpSpPr>
+        <a:xfrm>
+          <a:off x="0" y="0"/>
+          <a:ext cx="0" cy="0"/>
+          <a:chOff x="0" y="0"/>
+          <a:chExt cx="0" cy="0"/>
+        </a:xfrm>
+      </p:grpSpPr>
+      <p:sp>
+        <p:nvSpPr>
+          <p:cNvPr id="2" name="Title 1"/>
+          <p:cNvSpPr>
+            <a:spLocks noGrp="1"/>
+          </p:cNvSpPr>
+          <p:nvPr>
+            <p:ph type="title"/>
+          </p:nvPr>
+        </p:nvSpPr>
+        <p:spPr/>
+        <p:txBody>
+          <a:bodyPr>
+            <a:normAutofit/>
+          </a:bodyPr>
+          <a:lstStyle/>
+          <a:p>
+            <a:r>
+              <a:rPr lang="fr-FR" dirty="0" smtClean="0"/>
+              <a:t>Scène automatique</a:t>
+            </a:r>
+            <a:endParaRPr lang="fr-FR" dirty="0"/>
+          </a:p>
+        </p:txBody>
+      </p:sp>
+      <p:sp>
+        <p:nvSpPr>
+          <p:cNvPr id="3" name="Footer Placeholder 2"/>
+          <p:cNvSpPr>
+            <a:spLocks noGrp="1"/>
+          </p:cNvSpPr>
+          <p:nvPr>
+            <p:ph type="ftr" sz="quarter" idx="11"/>
+          </p:nvPr>
+        </p:nvSpPr>
+        <p:spPr/>
+        <p:txBody>
+          <a:bodyPr/>
+          <a:lstStyle/>
+          <a:p>
+            <a:r>
+              <a:rPr lang="fr-FR" smtClean="0"/>
+              <a:t>Projet collectif de réalité virtuelle</a:t>
+            </a:r>
+            <a:endParaRPr lang="en-US"/>
+          </a:p>
+        </p:txBody>
+      </p:sp>
+      <p:sp>
+        <p:nvSpPr>
+          <p:cNvPr id="4" name="Slide Number Placeholder 3"/>
+          <p:cNvSpPr>
+            <a:spLocks noGrp="1"/>
+          </p:cNvSpPr>
+          <p:nvPr>
+            <p:ph type="sldNum" sz="quarter" idx="12"/>
+          </p:nvPr>
+        </p:nvSpPr>
+        <p:spPr/>
+        <p:txBody>
+          <a:bodyPr/>
+          <a:lstStyle/>
+          <a:p>
+            <a:fld id="{B6F15528-21DE-4FAA-801E-634DDDAF4B2B}" type="slidenum">
+              <a:rPr lang="en-US" smtClean="0"/>
+              <a:pPr/>
+              <a:t>13</a:t>
+            </a:fld>
+            <a:endParaRPr lang="en-US"/>
+          </a:p>
+        </p:txBody>
+      </p:sp>
+      <p:sp>
+        <p:nvSpPr>
+          <p:cNvPr id="5" name="Content Placeholder 4"/>
+          <p:cNvSpPr>
+            <a:spLocks noGrp="1"/>
+          </p:cNvSpPr>
+          <p:nvPr>
+            <p:ph sz="quarter" idx="1"/>
+          </p:nvPr>
+        </p:nvSpPr>
+        <p:spPr/>
+        <p:txBody>
+          <a:bodyPr/>
+          <a:lstStyle/>
+          <a:p>
+            <a:endParaRPr lang="fr-FR" dirty="0"/>
+          </a:p>
+        </p:txBody>
+      </p:sp>
+    </p:spTree>
+    <p:extLst>
+      <p:ext uri="{BB962C8B-B14F-4D97-AF65-F5344CB8AC3E}">
+        <p14:creationId xmlns:p14="http://schemas.microsoft.com/office/powerpoint/2010/main" val="1496884461"/>
       </p:ext>
     </p:extLst>
   </p:cSld>
@@ -6921,9 +6920,42 @@
             <a:pPr lvl="1"/>
             <a:r>
               <a:rPr lang="fr-FR" i="1" dirty="0" smtClean="0"/>
-              <a:t>Détection des murs</a:t>
-            </a:r>
+              <a:t>Détection des </a:t>
+            </a:r>
+            <a:r>
+              <a:rPr lang="fr-FR" i="1" dirty="0" smtClean="0"/>
+              <a:t>murs</a:t>
+            </a:r>
+          </a:p>
+          <a:p>
+            <a:pPr lvl="1"/>
             <a:endParaRPr lang="fr-FR" i="1" dirty="0"/>
+          </a:p>
+          <a:p>
+            <a:endParaRPr lang="fr-FR" i="1" dirty="0" smtClean="0"/>
+          </a:p>
+          <a:p>
+            <a:r>
+              <a:rPr lang="fr-FR" i="1" dirty="0" smtClean="0"/>
+              <a:t>Utilisation des rayons pour le</a:t>
+            </a:r>
+          </a:p>
+          <a:p>
+            <a:pPr marL="0" indent="0">
+              <a:buNone/>
+            </a:pPr>
+            <a:r>
+              <a:rPr lang="fr-FR" i="1" dirty="0"/>
+              <a:t> </a:t>
+            </a:r>
+            <a:r>
+              <a:rPr lang="fr-FR" i="1" dirty="0" smtClean="0"/>
+              <a:t>   </a:t>
+            </a:r>
+            <a:r>
+              <a:rPr lang="fr-FR" i="1" dirty="0" smtClean="0"/>
+              <a:t>picking</a:t>
+            </a:r>
           </a:p>
         </p:txBody>
       </p:sp>
@@ -7107,6 +7139,16 @@
           </a:p>
           <a:p>
             <a:r>
+              <a:rPr lang="fr-FR" smtClean="0"/>
+              <a:t>LOD discret</a:t>
+            </a:r>
+            <a:endParaRPr lang="fr-FR" dirty="0" smtClean="0"/>
+          </a:p>
+          <a:p>
+            <a:endParaRPr lang="fr-FR" dirty="0"/>
+          </a:p>
+          <a:p>
+            <a:r>
               <a:rPr lang="fr-FR" dirty="0" err="1" smtClean="0"/>
               <a:t>Polygon</a:t>
             </a:r>
@@ -7174,7 +7216,7 @@
         </p:blipFill>
         <p:spPr bwMode="auto">
           <a:xfrm>
-            <a:off x="5105400" y="762000"/>
+            <a:off x="5334000" y="1524000"/>
             <a:ext cx="3486150" cy="2505075"/>
           </a:xfrm>
           <a:prstGeom prst="rect">
